--- a/assets/DSX-Local-Overview.pptx
+++ b/assets/DSX-Local-Overview.pptx
@@ -219,7 +219,7 @@
           <a:p>
             <a:fld id="{1F77921F-BF65-4407-8F5F-27827B282D4C}" type="datetimeFigureOut">
               <a:rPr lang="en-US" smtClean="0"/>
-              <a:t>9/7/17</a:t>
+              <a:t>9/8/17</a:t>
             </a:fld>
             <a:endParaRPr lang="en-US"/>
           </a:p>
@@ -2033,23 +2033,14 @@
           <a:lstStyle/>
           <a:p>
             <a:r>
-              <a:rPr lang="en-US" dirty="0" smtClean="0"/>
-              <a:t>In our demo we will show how you can implement real time analytics to</a:t>
-            </a:r>
-            <a:r>
-              <a:rPr lang="en-US" baseline="0" dirty="0" smtClean="0"/>
-              <a:t> predict customer churn in Data Science Experience. Customer churn is not always predicted in real time, the deployment option depends on the type of data we are using to predict churn, but for our demo let’s assume that we want to integrate analytics with the Call Center application.</a:t>
-            </a:r>
-          </a:p>
-          <a:p>
-            <a:endParaRPr lang="en-US" baseline="0" dirty="0" smtClean="0"/>
-          </a:p>
-          <a:p>
-            <a:r>
-              <a:rPr lang="en-US" baseline="0" dirty="0" smtClean="0"/>
-              <a:t>We are assuming that we are collecting some data in real time and therefore we will deploy the model that we create for real time scoring. </a:t>
-            </a:r>
-            <a:endParaRPr lang="en-US" dirty="0"/>
+              <a:rPr lang="en-US" b="0" dirty="0" smtClean="0"/>
+              <a:t>In our demo we’ll show how to use analytics to predict a players rushing yards.  Our</a:t>
+            </a:r>
+            <a:r>
+              <a:rPr lang="en-US" b="0" baseline="0" dirty="0" smtClean="0"/>
+              <a:t> goal is to integrate real time analytics with an upcoming game</a:t>
+            </a:r>
+            <a:endParaRPr lang="en-US" b="0" dirty="0" smtClean="0"/>
           </a:p>
         </p:txBody>
       </p:sp>
@@ -2698,14 +2689,14 @@
           </a:ln>
           <a:extLst>
             <a:ext uri="{909E8E84-426E-40dd-AFC4-6F175D3DCCD1}">
-              <a14:hiddenFill xmlns="" xmlns:a14="http://schemas.microsoft.com/office/drawing/2010/main">
+              <a14:hiddenFill xmlns:a14="http://schemas.microsoft.com/office/drawing/2010/main" xmlns="">
                 <a:solidFill>
                   <a:srgbClr val="FFFFFF"/>
                 </a:solidFill>
               </a14:hiddenFill>
             </a:ext>
             <a:ext uri="{91240B29-F687-4f45-9708-019B960494DF}">
-              <a14:hiddenLine xmlns="" xmlns:a14="http://schemas.microsoft.com/office/drawing/2010/main" w="9525">
+              <a14:hiddenLine xmlns:a14="http://schemas.microsoft.com/office/drawing/2010/main" xmlns="" w="9525">
                 <a:solidFill>
                   <a:srgbClr val="000000"/>
                 </a:solidFill>
@@ -2752,14 +2743,14 @@
           </a:ln>
           <a:extLst>
             <a:ext uri="{909E8E84-426E-40dd-AFC4-6F175D3DCCD1}">
-              <a14:hiddenFill xmlns="" xmlns:a14="http://schemas.microsoft.com/office/drawing/2010/main">
+              <a14:hiddenFill xmlns:a14="http://schemas.microsoft.com/office/drawing/2010/main" xmlns="">
                 <a:solidFill>
                   <a:srgbClr val="FFFFFF"/>
                 </a:solidFill>
               </a14:hiddenFill>
             </a:ext>
             <a:ext uri="{91240B29-F687-4f45-9708-019B960494DF}">
-              <a14:hiddenLine xmlns="" xmlns:a14="http://schemas.microsoft.com/office/drawing/2010/main" w="9525">
+              <a14:hiddenLine xmlns:a14="http://schemas.microsoft.com/office/drawing/2010/main" xmlns="" w="9525">
                 <a:solidFill>
                   <a:srgbClr val="000000"/>
                 </a:solidFill>
@@ -2799,12 +2790,12 @@
           <a:effectLst/>
           <a:extLst>
             <a:ext uri="{909E8E84-426E-40dd-AFC4-6F175D3DCCD1}">
-              <a14:hiddenFill xmlns="" xmlns:a14="http://schemas.microsoft.com/office/drawing/2010/main">
+              <a14:hiddenFill xmlns:a14="http://schemas.microsoft.com/office/drawing/2010/main" xmlns="">
                 <a:noFill/>
               </a14:hiddenFill>
             </a:ext>
             <a:ext uri="{AF507438-7753-43e0-B8FC-AC1667EBCBE1}">
-              <a14:hiddenEffects xmlns="" xmlns:a14="http://schemas.microsoft.com/office/drawing/2010/main">
+              <a14:hiddenEffects xmlns:a14="http://schemas.microsoft.com/office/drawing/2010/main" xmlns="">
                 <a:effectLst>
                   <a:outerShdw blurRad="63500" dist="38099" dir="2700000" algn="ctr" rotWithShape="0">
                     <a:schemeClr val="bg2">
@@ -2864,14 +2855,14 @@
           </a:ln>
           <a:extLst>
             <a:ext uri="{909E8E84-426E-40dd-AFC4-6F175D3DCCD1}">
-              <a14:hiddenFill xmlns="" xmlns:a14="http://schemas.microsoft.com/office/drawing/2010/main">
+              <a14:hiddenFill xmlns:a14="http://schemas.microsoft.com/office/drawing/2010/main" xmlns="">
                 <a:solidFill>
                   <a:srgbClr val="FFFFFF"/>
                 </a:solidFill>
               </a14:hiddenFill>
             </a:ext>
             <a:ext uri="{91240B29-F687-4f45-9708-019B960494DF}">
-              <a14:hiddenLine xmlns="" xmlns:a14="http://schemas.microsoft.com/office/drawing/2010/main" w="9525">
+              <a14:hiddenLine xmlns:a14="http://schemas.microsoft.com/office/drawing/2010/main" xmlns="" w="9525">
                 <a:solidFill>
                   <a:srgbClr val="000000"/>
                 </a:solidFill>
@@ -2971,14 +2962,14 @@
           </a:ln>
           <a:extLst>
             <a:ext uri="{909E8E84-426E-40dd-AFC4-6F175D3DCCD1}">
-              <a14:hiddenFill xmlns="" xmlns:a14="http://schemas.microsoft.com/office/drawing/2010/main">
+              <a14:hiddenFill xmlns:a14="http://schemas.microsoft.com/office/drawing/2010/main" xmlns="">
                 <a:solidFill>
                   <a:srgbClr val="FFFFFF"/>
                 </a:solidFill>
               </a14:hiddenFill>
             </a:ext>
             <a:ext uri="{91240B29-F687-4f45-9708-019B960494DF}">
-              <a14:hiddenLine xmlns="" xmlns:a14="http://schemas.microsoft.com/office/drawing/2010/main" w="9525">
+              <a14:hiddenLine xmlns:a14="http://schemas.microsoft.com/office/drawing/2010/main" xmlns="" w="9525">
                 <a:solidFill>
                   <a:srgbClr val="000000"/>
                 </a:solidFill>
@@ -3796,14 +3787,14 @@
           </a:ln>
           <a:extLst>
             <a:ext uri="{909E8E84-426E-40dd-AFC4-6F175D3DCCD1}">
-              <a14:hiddenFill xmlns="" xmlns:a14="http://schemas.microsoft.com/office/drawing/2010/main">
+              <a14:hiddenFill xmlns:a14="http://schemas.microsoft.com/office/drawing/2010/main" xmlns="">
                 <a:solidFill>
                   <a:srgbClr val="FFFFFF"/>
                 </a:solidFill>
               </a14:hiddenFill>
             </a:ext>
             <a:ext uri="{91240B29-F687-4f45-9708-019B960494DF}">
-              <a14:hiddenLine xmlns="" xmlns:a14="http://schemas.microsoft.com/office/drawing/2010/main" w="9525">
+              <a14:hiddenLine xmlns:a14="http://schemas.microsoft.com/office/drawing/2010/main" xmlns="" w="9525">
                 <a:solidFill>
                   <a:srgbClr val="000000"/>
                 </a:solidFill>
@@ -3843,14 +3834,14 @@
               <ma14:placeholderFlag xmlns:ma14="http://schemas.microsoft.com/office/mac/drawingml/2011/main" val="1"/>
             </a:ext>
             <a:ext uri="{909E8E84-426E-40dd-AFC4-6F175D3DCCD1}">
-              <a14:hiddenFill xmlns="" xmlns:a14="http://schemas.microsoft.com/office/drawing/2010/main">
+              <a14:hiddenFill xmlns:a14="http://schemas.microsoft.com/office/drawing/2010/main" xmlns="">
                 <a:solidFill>
                   <a:schemeClr val="accent1"/>
                 </a:solidFill>
               </a14:hiddenFill>
             </a:ext>
             <a:ext uri="{91240B29-F687-4f45-9708-019B960494DF}">
-              <a14:hiddenLine xmlns="" xmlns:a14="http://schemas.microsoft.com/office/drawing/2010/main" w="9525">
+              <a14:hiddenLine xmlns:a14="http://schemas.microsoft.com/office/drawing/2010/main" xmlns="" w="9525">
                 <a:solidFill>
                   <a:schemeClr val="tx1"/>
                 </a:solidFill>
@@ -3860,7 +3851,7 @@
               </a14:hiddenLine>
             </a:ext>
             <a:ext uri="{AF507438-7753-43e0-B8FC-AC1667EBCBE1}">
-              <a14:hiddenEffects xmlns="" xmlns:a14="http://schemas.microsoft.com/office/drawing/2010/main">
+              <a14:hiddenEffects xmlns:a14="http://schemas.microsoft.com/office/drawing/2010/main" xmlns="">
                 <a:effectLst>
                   <a:outerShdw blurRad="63500" dist="38099" dir="2700000" algn="ctr" rotWithShape="0">
                     <a:schemeClr val="bg2">
@@ -3917,14 +3908,14 @@
               <ma14:placeholderFlag xmlns:ma14="http://schemas.microsoft.com/office/mac/drawingml/2011/main" val="1"/>
             </a:ext>
             <a:ext uri="{909E8E84-426E-40dd-AFC4-6F175D3DCCD1}">
-              <a14:hiddenFill xmlns="" xmlns:a14="http://schemas.microsoft.com/office/drawing/2010/main">
+              <a14:hiddenFill xmlns:a14="http://schemas.microsoft.com/office/drawing/2010/main" xmlns="">
                 <a:solidFill>
                   <a:schemeClr val="accent1"/>
                 </a:solidFill>
               </a14:hiddenFill>
             </a:ext>
             <a:ext uri="{91240B29-F687-4f45-9708-019B960494DF}">
-              <a14:hiddenLine xmlns="" xmlns:a14="http://schemas.microsoft.com/office/drawing/2010/main" w="9525">
+              <a14:hiddenLine xmlns:a14="http://schemas.microsoft.com/office/drawing/2010/main" xmlns="" w="9525">
                 <a:solidFill>
                   <a:schemeClr val="tx1"/>
                 </a:solidFill>
@@ -3934,7 +3925,7 @@
               </a14:hiddenLine>
             </a:ext>
             <a:ext uri="{AF507438-7753-43e0-B8FC-AC1667EBCBE1}">
-              <a14:hiddenEffects xmlns="" xmlns:a14="http://schemas.microsoft.com/office/drawing/2010/main">
+              <a14:hiddenEffects xmlns:a14="http://schemas.microsoft.com/office/drawing/2010/main" xmlns="">
                 <a:effectLst>
                   <a:outerShdw blurRad="63500" dist="38099" dir="2700000" algn="ctr" rotWithShape="0">
                     <a:schemeClr val="bg2">
@@ -4012,12 +4003,12 @@
           <a:effectLst/>
           <a:extLst>
             <a:ext uri="{909E8E84-426E-40dd-AFC4-6F175D3DCCD1}">
-              <a14:hiddenFill xmlns="" xmlns:a14="http://schemas.microsoft.com/office/drawing/2010/main">
+              <a14:hiddenFill xmlns:a14="http://schemas.microsoft.com/office/drawing/2010/main" xmlns="">
                 <a:noFill/>
               </a14:hiddenFill>
             </a:ext>
             <a:ext uri="{AF507438-7753-43e0-B8FC-AC1667EBCBE1}">
-              <a14:hiddenEffects xmlns="" xmlns:a14="http://schemas.microsoft.com/office/drawing/2010/main">
+              <a14:hiddenEffects xmlns:a14="http://schemas.microsoft.com/office/drawing/2010/main" xmlns="">
                 <a:effectLst>
                   <a:outerShdw blurRad="63500" dist="38099" dir="2700000" algn="ctr" rotWithShape="0">
                     <a:schemeClr val="bg2">
@@ -4064,14 +4055,14 @@
           </a:ln>
           <a:extLst>
             <a:ext uri="{909E8E84-426E-40dd-AFC4-6F175D3DCCD1}">
-              <a14:hiddenFill xmlns="" xmlns:a14="http://schemas.microsoft.com/office/drawing/2010/main">
+              <a14:hiddenFill xmlns:a14="http://schemas.microsoft.com/office/drawing/2010/main" xmlns="">
                 <a:solidFill>
                   <a:srgbClr val="FFFFFF"/>
                 </a:solidFill>
               </a14:hiddenFill>
             </a:ext>
             <a:ext uri="{91240B29-F687-4f45-9708-019B960494DF}">
-              <a14:hiddenLine xmlns="" xmlns:a14="http://schemas.microsoft.com/office/drawing/2010/main" w="9525">
+              <a14:hiddenLine xmlns:a14="http://schemas.microsoft.com/office/drawing/2010/main" xmlns="" w="9525">
                 <a:solidFill>
                   <a:srgbClr val="000000"/>
                 </a:solidFill>
@@ -4127,14 +4118,14 @@
           <a:effectLst/>
           <a:extLst>
             <a:ext uri="{909E8E84-426E-40dd-AFC4-6F175D3DCCD1}">
-              <a14:hiddenFill xmlns="" xmlns:a14="http://schemas.microsoft.com/office/drawing/2010/main">
+              <a14:hiddenFill xmlns:a14="http://schemas.microsoft.com/office/drawing/2010/main" xmlns="">
                 <a:solidFill>
                   <a:schemeClr val="accent1"/>
                 </a:solidFill>
               </a14:hiddenFill>
             </a:ext>
             <a:ext uri="{91240B29-F687-4f45-9708-019B960494DF}">
-              <a14:hiddenLine xmlns="" xmlns:a14="http://schemas.microsoft.com/office/drawing/2010/main" w="9525">
+              <a14:hiddenLine xmlns:a14="http://schemas.microsoft.com/office/drawing/2010/main" xmlns="" w="9525">
                 <a:solidFill>
                   <a:schemeClr val="tx1"/>
                 </a:solidFill>
@@ -4144,7 +4135,7 @@
               </a14:hiddenLine>
             </a:ext>
             <a:ext uri="{AF507438-7753-43e0-B8FC-AC1667EBCBE1}">
-              <a14:hiddenEffects xmlns="" xmlns:a14="http://schemas.microsoft.com/office/drawing/2010/main">
+              <a14:hiddenEffects xmlns:a14="http://schemas.microsoft.com/office/drawing/2010/main" xmlns="">
                 <a:effectLst>
                   <a:outerShdw blurRad="63500" dist="38099" dir="2700000" algn="ctr" rotWithShape="0">
                     <a:schemeClr val="bg2">
@@ -4213,14 +4204,14 @@
           </a:ln>
           <a:extLst>
             <a:ext uri="{909E8E84-426E-40dd-AFC4-6F175D3DCCD1}">
-              <a14:hiddenFill xmlns="" xmlns:a14="http://schemas.microsoft.com/office/drawing/2010/main">
+              <a14:hiddenFill xmlns:a14="http://schemas.microsoft.com/office/drawing/2010/main" xmlns="">
                 <a:solidFill>
                   <a:srgbClr val="FFFFFF"/>
                 </a:solidFill>
               </a14:hiddenFill>
             </a:ext>
             <a:ext uri="{91240B29-F687-4f45-9708-019B960494DF}">
-              <a14:hiddenLine xmlns="" xmlns:a14="http://schemas.microsoft.com/office/drawing/2010/main" w="9525">
+              <a14:hiddenLine xmlns:a14="http://schemas.microsoft.com/office/drawing/2010/main" xmlns="" w="9525">
                 <a:solidFill>
                   <a:srgbClr val="000000"/>
                 </a:solidFill>
@@ -6087,14 +6078,14 @@
           </a:ln>
           <a:extLst>
             <a:ext uri="{909E8E84-426E-40dd-AFC4-6F175D3DCCD1}">
-              <a14:hiddenFill xmlns="" xmlns:a14="http://schemas.microsoft.com/office/drawing/2010/main">
+              <a14:hiddenFill xmlns:a14="http://schemas.microsoft.com/office/drawing/2010/main" xmlns="">
                 <a:solidFill>
                   <a:srgbClr val="FFFFFF"/>
                 </a:solidFill>
               </a14:hiddenFill>
             </a:ext>
             <a:ext uri="{91240B29-F687-4f45-9708-019B960494DF}">
-              <a14:hiddenLine xmlns="" xmlns:a14="http://schemas.microsoft.com/office/drawing/2010/main" w="9525">
+              <a14:hiddenLine xmlns:a14="http://schemas.microsoft.com/office/drawing/2010/main" xmlns="" w="9525">
                 <a:solidFill>
                   <a:srgbClr val="000000"/>
                 </a:solidFill>
@@ -6476,14 +6467,14 @@
           </a:ln>
           <a:extLst>
             <a:ext uri="{909E8E84-426E-40dd-AFC4-6F175D3DCCD1}">
-              <a14:hiddenFill xmlns="" xmlns:a14="http://schemas.microsoft.com/office/drawing/2010/main">
+              <a14:hiddenFill xmlns:a14="http://schemas.microsoft.com/office/drawing/2010/main" xmlns="">
                 <a:solidFill>
                   <a:srgbClr val="FFFFFF"/>
                 </a:solidFill>
               </a14:hiddenFill>
             </a:ext>
             <a:ext uri="{91240B29-F687-4f45-9708-019B960494DF}">
-              <a14:hiddenLine xmlns="" xmlns:a14="http://schemas.microsoft.com/office/drawing/2010/main" w="9525">
+              <a14:hiddenLine xmlns:a14="http://schemas.microsoft.com/office/drawing/2010/main" xmlns="" w="9525">
                 <a:solidFill>
                   <a:srgbClr val="000000"/>
                 </a:solidFill>
@@ -6908,14 +6899,14 @@
           </a:ln>
           <a:extLst>
             <a:ext uri="{909E8E84-426E-40dd-AFC4-6F175D3DCCD1}">
-              <a14:hiddenFill xmlns="" xmlns:a14="http://schemas.microsoft.com/office/drawing/2010/main">
+              <a14:hiddenFill xmlns:a14="http://schemas.microsoft.com/office/drawing/2010/main" xmlns="">
                 <a:solidFill>
                   <a:srgbClr val="FFFFFF"/>
                 </a:solidFill>
               </a14:hiddenFill>
             </a:ext>
             <a:ext uri="{91240B29-F687-4f45-9708-019B960494DF}">
-              <a14:hiddenLine xmlns="" xmlns:a14="http://schemas.microsoft.com/office/drawing/2010/main" w="9525">
+              <a14:hiddenLine xmlns:a14="http://schemas.microsoft.com/office/drawing/2010/main" xmlns="" w="9525">
                 <a:solidFill>
                   <a:srgbClr val="000000"/>
                 </a:solidFill>
@@ -7119,14 +7110,14 @@
           </a:ln>
           <a:extLst>
             <a:ext uri="{909E8E84-426E-40dd-AFC4-6F175D3DCCD1}">
-              <a14:hiddenFill xmlns="" xmlns:a14="http://schemas.microsoft.com/office/drawing/2010/main">
+              <a14:hiddenFill xmlns:a14="http://schemas.microsoft.com/office/drawing/2010/main" xmlns="">
                 <a:solidFill>
                   <a:srgbClr val="FFFFFF"/>
                 </a:solidFill>
               </a14:hiddenFill>
             </a:ext>
             <a:ext uri="{91240B29-F687-4f45-9708-019B960494DF}">
-              <a14:hiddenLine xmlns="" xmlns:a14="http://schemas.microsoft.com/office/drawing/2010/main" w="9525">
+              <a14:hiddenLine xmlns:a14="http://schemas.microsoft.com/office/drawing/2010/main" xmlns="" w="9525">
                 <a:solidFill>
                   <a:srgbClr val="000000"/>
                 </a:solidFill>
@@ -7160,14 +7151,14 @@
           </a:ln>
           <a:extLst>
             <a:ext uri="{909E8E84-426E-40dd-AFC4-6F175D3DCCD1}">
-              <a14:hiddenFill xmlns="" xmlns:a14="http://schemas.microsoft.com/office/drawing/2010/main">
+              <a14:hiddenFill xmlns:a14="http://schemas.microsoft.com/office/drawing/2010/main" xmlns="">
                 <a:solidFill>
                   <a:srgbClr val="FFFFFF"/>
                 </a:solidFill>
               </a14:hiddenFill>
             </a:ext>
             <a:ext uri="{91240B29-F687-4f45-9708-019B960494DF}">
-              <a14:hiddenLine xmlns="" xmlns:a14="http://schemas.microsoft.com/office/drawing/2010/main" w="9525">
+              <a14:hiddenLine xmlns:a14="http://schemas.microsoft.com/office/drawing/2010/main" xmlns="" w="9525">
                 <a:solidFill>
                   <a:srgbClr val="000000"/>
                 </a:solidFill>
@@ -8033,14 +8024,14 @@
           </a:ln>
           <a:extLst>
             <a:ext uri="{909E8E84-426E-40dd-AFC4-6F175D3DCCD1}">
-              <a14:hiddenFill xmlns="" xmlns:a14="http://schemas.microsoft.com/office/drawing/2010/main">
+              <a14:hiddenFill xmlns:a14="http://schemas.microsoft.com/office/drawing/2010/main" xmlns="">
                 <a:solidFill>
                   <a:srgbClr val="FFFFFF"/>
                 </a:solidFill>
               </a14:hiddenFill>
             </a:ext>
             <a:ext uri="{91240B29-F687-4f45-9708-019B960494DF}">
-              <a14:hiddenLine xmlns="" xmlns:a14="http://schemas.microsoft.com/office/drawing/2010/main" w="9525">
+              <a14:hiddenLine xmlns:a14="http://schemas.microsoft.com/office/drawing/2010/main" xmlns="" w="9525">
                 <a:solidFill>
                   <a:srgbClr val="000000"/>
                 </a:solidFill>
@@ -8087,14 +8078,14 @@
           </a:ln>
           <a:extLst>
             <a:ext uri="{909E8E84-426E-40dd-AFC4-6F175D3DCCD1}">
-              <a14:hiddenFill xmlns="" xmlns:a14="http://schemas.microsoft.com/office/drawing/2010/main">
+              <a14:hiddenFill xmlns:a14="http://schemas.microsoft.com/office/drawing/2010/main" xmlns="">
                 <a:solidFill>
                   <a:srgbClr val="FFFFFF"/>
                 </a:solidFill>
               </a14:hiddenFill>
             </a:ext>
             <a:ext uri="{91240B29-F687-4f45-9708-019B960494DF}">
-              <a14:hiddenLine xmlns="" xmlns:a14="http://schemas.microsoft.com/office/drawing/2010/main" w="9525">
+              <a14:hiddenLine xmlns:a14="http://schemas.microsoft.com/office/drawing/2010/main" xmlns="" w="9525">
                 <a:solidFill>
                   <a:srgbClr val="000000"/>
                 </a:solidFill>
@@ -14199,14 +14190,14 @@
           </a:ln>
           <a:extLst>
             <a:ext uri="{909E8E84-426E-40dd-AFC4-6F175D3DCCD1}">
-              <a14:hiddenFill xmlns="" xmlns:a14="http://schemas.microsoft.com/office/drawing/2010/main">
+              <a14:hiddenFill xmlns:a14="http://schemas.microsoft.com/office/drawing/2010/main" xmlns="">
                 <a:solidFill>
                   <a:srgbClr val="FFFFFF"/>
                 </a:solidFill>
               </a14:hiddenFill>
             </a:ext>
             <a:ext uri="{91240B29-F687-4f45-9708-019B960494DF}">
-              <a14:hiddenLine xmlns="" xmlns:a14="http://schemas.microsoft.com/office/drawing/2010/main" w="9525">
+              <a14:hiddenLine xmlns:a14="http://schemas.microsoft.com/office/drawing/2010/main" xmlns="" w="9525">
                 <a:solidFill>
                   <a:srgbClr val="000000"/>
                 </a:solidFill>
@@ -14588,14 +14579,14 @@
           </a:ln>
           <a:extLst>
             <a:ext uri="{909E8E84-426E-40dd-AFC4-6F175D3DCCD1}">
-              <a14:hiddenFill xmlns="" xmlns:a14="http://schemas.microsoft.com/office/drawing/2010/main">
+              <a14:hiddenFill xmlns:a14="http://schemas.microsoft.com/office/drawing/2010/main" xmlns="">
                 <a:solidFill>
                   <a:srgbClr val="FFFFFF"/>
                 </a:solidFill>
               </a14:hiddenFill>
             </a:ext>
             <a:ext uri="{91240B29-F687-4f45-9708-019B960494DF}">
-              <a14:hiddenLine xmlns="" xmlns:a14="http://schemas.microsoft.com/office/drawing/2010/main" w="9525">
+              <a14:hiddenLine xmlns:a14="http://schemas.microsoft.com/office/drawing/2010/main" xmlns="" w="9525">
                 <a:solidFill>
                   <a:srgbClr val="000000"/>
                 </a:solidFill>
@@ -15016,14 +15007,14 @@
           </a:ln>
           <a:extLst>
             <a:ext uri="{909E8E84-426E-40dd-AFC4-6F175D3DCCD1}">
-              <a14:hiddenFill xmlns="" xmlns:a14="http://schemas.microsoft.com/office/drawing/2010/main">
+              <a14:hiddenFill xmlns:a14="http://schemas.microsoft.com/office/drawing/2010/main" xmlns="">
                 <a:solidFill>
                   <a:srgbClr val="FFFFFF"/>
                 </a:solidFill>
               </a14:hiddenFill>
             </a:ext>
             <a:ext uri="{91240B29-F687-4f45-9708-019B960494DF}">
-              <a14:hiddenLine xmlns="" xmlns:a14="http://schemas.microsoft.com/office/drawing/2010/main" w="9525">
+              <a14:hiddenLine xmlns:a14="http://schemas.microsoft.com/office/drawing/2010/main" xmlns="" w="9525">
                 <a:solidFill>
                   <a:srgbClr val="000000"/>
                 </a:solidFill>
@@ -15227,14 +15218,14 @@
           </a:ln>
           <a:extLst>
             <a:ext uri="{909E8E84-426E-40dd-AFC4-6F175D3DCCD1}">
-              <a14:hiddenFill xmlns="" xmlns:a14="http://schemas.microsoft.com/office/drawing/2010/main">
+              <a14:hiddenFill xmlns:a14="http://schemas.microsoft.com/office/drawing/2010/main" xmlns="">
                 <a:solidFill>
                   <a:srgbClr val="FFFFFF"/>
                 </a:solidFill>
               </a14:hiddenFill>
             </a:ext>
             <a:ext uri="{91240B29-F687-4f45-9708-019B960494DF}">
-              <a14:hiddenLine xmlns="" xmlns:a14="http://schemas.microsoft.com/office/drawing/2010/main" w="9525">
+              <a14:hiddenLine xmlns:a14="http://schemas.microsoft.com/office/drawing/2010/main" xmlns="" w="9525">
                 <a:solidFill>
                   <a:srgbClr val="000000"/>
                 </a:solidFill>
@@ -15268,14 +15259,14 @@
           </a:ln>
           <a:extLst>
             <a:ext uri="{909E8E84-426E-40dd-AFC4-6F175D3DCCD1}">
-              <a14:hiddenFill xmlns="" xmlns:a14="http://schemas.microsoft.com/office/drawing/2010/main">
+              <a14:hiddenFill xmlns:a14="http://schemas.microsoft.com/office/drawing/2010/main" xmlns="">
                 <a:solidFill>
                   <a:srgbClr val="FFFFFF"/>
                 </a:solidFill>
               </a14:hiddenFill>
             </a:ext>
             <a:ext uri="{91240B29-F687-4f45-9708-019B960494DF}">
-              <a14:hiddenLine xmlns="" xmlns:a14="http://schemas.microsoft.com/office/drawing/2010/main" w="9525">
+              <a14:hiddenLine xmlns:a14="http://schemas.microsoft.com/office/drawing/2010/main" xmlns="" w="9525">
                 <a:solidFill>
                   <a:srgbClr val="000000"/>
                 </a:solidFill>
@@ -16142,14 +16133,14 @@
           </a:ln>
           <a:extLst>
             <a:ext uri="{909E8E84-426E-40dd-AFC4-6F175D3DCCD1}">
-              <a14:hiddenFill xmlns="" xmlns:a14="http://schemas.microsoft.com/office/drawing/2010/main">
+              <a14:hiddenFill xmlns:a14="http://schemas.microsoft.com/office/drawing/2010/main" xmlns="">
                 <a:solidFill>
                   <a:srgbClr val="FFFFFF"/>
                 </a:solidFill>
               </a14:hiddenFill>
             </a:ext>
             <a:ext uri="{91240B29-F687-4f45-9708-019B960494DF}">
-              <a14:hiddenLine xmlns="" xmlns:a14="http://schemas.microsoft.com/office/drawing/2010/main" w="9525">
+              <a14:hiddenLine xmlns:a14="http://schemas.microsoft.com/office/drawing/2010/main" xmlns="" w="9525">
                 <a:solidFill>
                   <a:srgbClr val="000000"/>
                 </a:solidFill>
@@ -16196,14 +16187,14 @@
           </a:ln>
           <a:extLst>
             <a:ext uri="{909E8E84-426E-40dd-AFC4-6F175D3DCCD1}">
-              <a14:hiddenFill xmlns="" xmlns:a14="http://schemas.microsoft.com/office/drawing/2010/main">
+              <a14:hiddenFill xmlns:a14="http://schemas.microsoft.com/office/drawing/2010/main" xmlns="">
                 <a:solidFill>
                   <a:srgbClr val="FFFFFF"/>
                 </a:solidFill>
               </a14:hiddenFill>
             </a:ext>
             <a:ext uri="{91240B29-F687-4f45-9708-019B960494DF}">
-              <a14:hiddenLine xmlns="" xmlns:a14="http://schemas.microsoft.com/office/drawing/2010/main" w="9525">
+              <a14:hiddenLine xmlns:a14="http://schemas.microsoft.com/office/drawing/2010/main" xmlns="" w="9525">
                 <a:solidFill>
                   <a:srgbClr val="000000"/>
                 </a:solidFill>
@@ -17606,7 +17597,11 @@
           <a:p>
             <a:r>
               <a:rPr lang="en-US" dirty="0" smtClean="0"/>
-              <a:t>Demo use case: Telco Churn</a:t>
+              <a:t>Demo use case: </a:t>
+            </a:r>
+            <a:r>
+              <a:rPr lang="en-US" dirty="0" smtClean="0"/>
+              <a:t>NFL Rushing Yards</a:t>
             </a:r>
             <a:endParaRPr lang="en-US" dirty="0"/>
           </a:p>
@@ -17629,8 +17624,13 @@
           <a:p>
             <a:r>
               <a:rPr lang="en-US" b="0" dirty="0" smtClean="0"/>
-              <a:t>In our demo we’ll show how to use analytics to predict customer churn</a:t>
-            </a:r>
+              <a:t>In our demo we’ll show how to use analytics to predict </a:t>
+            </a:r>
+            <a:r>
+              <a:rPr lang="en-US" b="0" dirty="0" smtClean="0"/>
+              <a:t>a players rushing yards</a:t>
+            </a:r>
+            <a:endParaRPr lang="en-US" b="0" dirty="0" smtClean="0"/>
           </a:p>
           <a:p>
             <a:endParaRPr lang="en-US" b="0" dirty="0" smtClean="0"/>
@@ -17645,8 +17645,13 @@
             <a:pPr lvl="1"/>
             <a:r>
               <a:rPr lang="en-US" dirty="0" smtClean="0"/>
-              <a:t>Integrate real time analytics with a Call Center application</a:t>
-            </a:r>
+              <a:t>Integrate real time analytics with </a:t>
+            </a:r>
+            <a:r>
+              <a:rPr lang="en-US" dirty="0" smtClean="0"/>
+              <a:t>an upcoming game</a:t>
+            </a:r>
+            <a:endParaRPr lang="en-US" dirty="0" smtClean="0"/>
           </a:p>
           <a:p>
             <a:pPr marL="0" indent="0">
